--- a/EJERCICIO-SITIO-WEB_Gijon/plantilla guia de estilo.pptx
+++ b/EJERCICIO-SITIO-WEB_Gijon/plantilla guia de estilo.pptx
@@ -3003,7 +3003,7 @@
         </p:nvSpPr>
         <p:spPr>
           <a:xfrm>
-            <a:off x="826477" y="5159378"/>
+            <a:off x="622162" y="753277"/>
             <a:ext cx="5557915" cy="769441"/>
           </a:xfrm>
           <a:prstGeom prst="rect">
@@ -3023,7 +3023,8 @@
                 <a:solidFill>
                   <a:schemeClr val="bg1"/>
                 </a:solidFill>
-                <a:latin typeface="Ubuntu" panose="020B0504030602030204" pitchFamily="34" charset="0"/>
+                <a:latin typeface="Times New Roman" panose="02020603050405020304" pitchFamily="18" charset="0"/>
+                <a:cs typeface="Times New Roman" panose="02020603050405020304" pitchFamily="18" charset="0"/>
               </a:rPr>
               <a:t>GUÍA DE ESTILO</a:t>
             </a:r>
@@ -3038,7 +3039,7 @@
         </p:nvSpPr>
         <p:spPr>
           <a:xfrm>
-            <a:off x="256478" y="5928819"/>
+            <a:off x="284355" y="7009523"/>
             <a:ext cx="6289287" cy="523220"/>
           </a:xfrm>
           <a:prstGeom prst="rect">
@@ -3054,50 +3055,18 @@
           <a:p>
             <a:pPr algn="ctr"/>
             <a:r>
-              <a:rPr lang="es-ES_tradnl" sz="2800" dirty="0">
+              <a:rPr lang="es-ES_tradnl" sz="2800" u="sng" dirty="0">
                 <a:solidFill>
-                  <a:schemeClr val="tx1">
-                    <a:lumMod val="85000"/>
-                    <a:lumOff val="15000"/>
-                  </a:schemeClr>
+                  <a:schemeClr val="bg1"/>
                 </a:solidFill>
-                <a:latin typeface="Futura T OT" panose="02000000000000000000" pitchFamily="50" charset="0"/>
+                <a:latin typeface="Times New Roman" panose="02020603050405020304" pitchFamily="18" charset="0"/>
+                <a:cs typeface="Times New Roman" panose="02020603050405020304" pitchFamily="18" charset="0"/>
               </a:rPr>
               <a:t>PÁGINA WEB GIJÓN/ LA LABORAL</a:t>
             </a:r>
           </a:p>
         </p:txBody>
       </p:sp>
-      <p:pic>
-        <p:nvPicPr>
-          <p:cNvPr id="8" name="Imagen 7"/>
-          <p:cNvPicPr>
-            <a:picLocks noChangeAspect="1"/>
-          </p:cNvPicPr>
-          <p:nvPr/>
-        </p:nvPicPr>
-        <p:blipFill>
-          <a:blip r:embed="rId2">
-            <a:extLst>
-              <a:ext uri="{28A0092B-C50C-407E-A947-70E740481C1C}">
-                <a14:useLocalDpi xmlns:a14="http://schemas.microsoft.com/office/drawing/2010/main" val="0"/>
-              </a:ext>
-            </a:extLst>
-          </a:blip>
-          <a:stretch>
-            <a:fillRect/>
-          </a:stretch>
-        </p:blipFill>
-        <p:spPr>
-          <a:xfrm>
-            <a:off x="2183891" y="1467188"/>
-            <a:ext cx="2490217" cy="2490217"/>
-          </a:xfrm>
-          <a:prstGeom prst="rect">
-            <a:avLst/>
-          </a:prstGeom>
-        </p:spPr>
-      </p:pic>
       <p:sp>
         <p:nvSpPr>
           <p:cNvPr id="2" name="Rectángulo 1"/>
@@ -3152,7 +3121,7 @@
         </p:nvSpPr>
         <p:spPr>
           <a:xfrm>
-            <a:off x="1431069" y="6463608"/>
+            <a:off x="1431067" y="8444808"/>
             <a:ext cx="4022153" cy="523220"/>
           </a:xfrm>
           <a:prstGeom prst="rect">
@@ -3170,18 +3139,55 @@
             <a:r>
               <a:rPr lang="es-ES_tradnl" sz="2800" dirty="0">
                 <a:solidFill>
-                  <a:schemeClr val="tx1">
-                    <a:lumMod val="85000"/>
-                    <a:lumOff val="15000"/>
-                  </a:schemeClr>
+                  <a:schemeClr val="bg1"/>
                 </a:solidFill>
-                <a:latin typeface="Futura T OT" panose="02000000000000000000" pitchFamily="50" charset="0"/>
+                <a:latin typeface="Times New Roman" panose="02020603050405020304" pitchFamily="18" charset="0"/>
+                <a:cs typeface="Times New Roman" panose="02020603050405020304" pitchFamily="18" charset="0"/>
               </a:rPr>
               <a:t>Raquel Cabezas</a:t>
             </a:r>
           </a:p>
         </p:txBody>
       </p:sp>
+      <p:pic>
+        <p:nvPicPr>
+          <p:cNvPr id="4" name="Gráfico 3" descr="Acuario con relleno sólido">
+            <a:extLst>
+              <a:ext uri="{FF2B5EF4-FFF2-40B4-BE49-F238E27FC236}">
+                <a16:creationId xmlns:a16="http://schemas.microsoft.com/office/drawing/2014/main" id="{10F80411-6DD8-16AF-C2E4-6638D2A6E9B4}"/>
+              </a:ext>
+            </a:extLst>
+          </p:cNvPr>
+          <p:cNvPicPr>
+            <a:picLocks noChangeAspect="1"/>
+          </p:cNvPicPr>
+          <p:nvPr/>
+        </p:nvPicPr>
+        <p:blipFill>
+          <a:blip r:embed="rId2">
+            <a:extLst>
+              <a:ext uri="{28A0092B-C50C-407E-A947-70E740481C1C}">
+                <a14:useLocalDpi xmlns:a14="http://schemas.microsoft.com/office/drawing/2010/main" val="0"/>
+              </a:ext>
+              <a:ext uri="{96DAC541-7B7A-43D3-8B79-37D633B846F1}">
+                <asvg:svgBlip xmlns:asvg="http://schemas.microsoft.com/office/drawing/2016/SVG/main" r:embed="rId3"/>
+              </a:ext>
+            </a:extLst>
+          </a:blip>
+          <a:stretch>
+            <a:fillRect/>
+          </a:stretch>
+        </p:blipFill>
+        <p:spPr>
+          <a:xfrm>
+            <a:off x="1566494" y="1522718"/>
+            <a:ext cx="3412592" cy="3412592"/>
+          </a:xfrm>
+          <a:prstGeom prst="rect">
+            <a:avLst/>
+          </a:prstGeom>
+        </p:spPr>
+      </p:pic>
     </p:spTree>
     <p:extLst>
       <p:ext uri="{BB962C8B-B14F-4D97-AF65-F5344CB8AC3E}">
@@ -3311,6 +3317,9 @@
               <a:gd name="adj2" fmla="val -20576"/>
             </a:avLst>
           </a:prstGeom>
+          <a:solidFill>
+            <a:srgbClr val="EC4601"/>
+          </a:solidFill>
         </p:spPr>
         <p:style>
           <a:lnRef idx="2">
@@ -3335,8 +3344,12 @@
             <a:pPr algn="ctr"/>
             <a:r>
               <a:rPr lang="es-ES" dirty="0"/>
-              <a:t>INSERTAR TÍTULO DEL PROYECTO Y  BREVE DESCRIPCIÓN DEL MISMO</a:t>
-            </a:r>
+              <a:t>PÁGINA WEB: GIJON, LA LABORAL.</a:t>
+            </a:r>
+          </a:p>
+          <a:p>
+            <a:pPr algn="ctr"/>
+            <a:endParaRPr lang="es-ES" dirty="0"/>
           </a:p>
         </p:txBody>
       </p:sp>
@@ -3374,7 +3387,7 @@
             </a:r>
             <a:r>
               <a:rPr lang="es-ES" dirty="0"/>
-              <a:t>:</a:t>
+              <a:t>: Raquel Cabezas</a:t>
             </a:r>
           </a:p>
         </p:txBody>
